--- a/bigdata.pptx
+++ b/bigdata.pptx
@@ -2746,18 +2746,6 @@
   <p:clrMapOvr>
     <a:masterClrMapping/>
   </p:clrMapOvr>
-  <mc:AlternateContent xmlns:mc="http://schemas.openxmlformats.org/markup-compatibility/2006" xmlns:p14="http://schemas.microsoft.com/office/powerpoint/2010/main">
-    <mc:Choice Requires="p14">
-      <p:transition spd="slow" p14:dur="2250" advTm="0">
-        <p:random/>
-      </p:transition>
-    </mc:Choice>
-    <mc:Fallback xmlns="">
-      <p:transition spd="slow" advTm="0">
-        <p:random/>
-      </p:transition>
-    </mc:Fallback>
-  </mc:AlternateContent>
 </p:sldLayout>
 </file>
 
@@ -3004,18 +2992,6 @@
   <p:clrMapOvr>
     <a:masterClrMapping/>
   </p:clrMapOvr>
-  <mc:AlternateContent xmlns:mc="http://schemas.openxmlformats.org/markup-compatibility/2006" xmlns:p14="http://schemas.microsoft.com/office/powerpoint/2010/main">
-    <mc:Choice Requires="p14">
-      <p:transition spd="slow" p14:dur="2250" advTm="0">
-        <p:random/>
-      </p:transition>
-    </mc:Choice>
-    <mc:Fallback xmlns="">
-      <p:transition spd="slow" advTm="0">
-        <p:random/>
-      </p:transition>
-    </mc:Fallback>
-  </mc:AlternateContent>
 </p:sldLayout>
 </file>
 
@@ -3134,18 +3110,6 @@
   <p:clrMapOvr>
     <a:masterClrMapping/>
   </p:clrMapOvr>
-  <mc:AlternateContent xmlns:mc="http://schemas.openxmlformats.org/markup-compatibility/2006" xmlns:p14="http://schemas.microsoft.com/office/powerpoint/2010/main">
-    <mc:Choice Requires="p14">
-      <p:transition spd="slow" p14:dur="2250" advTm="0">
-        <p:random/>
-      </p:transition>
-    </mc:Choice>
-    <mc:Fallback xmlns="">
-      <p:transition spd="slow" advTm="0">
-        <p:random/>
-      </p:transition>
-    </mc:Fallback>
-  </mc:AlternateContent>
 </p:sldLayout>
 </file>
 
@@ -3176,18 +3140,6 @@
   <p:clrMapOvr>
     <a:masterClrMapping/>
   </p:clrMapOvr>
-  <mc:AlternateContent xmlns:mc="http://schemas.openxmlformats.org/markup-compatibility/2006" xmlns:p14="http://schemas.microsoft.com/office/powerpoint/2010/main">
-    <mc:Choice Requires="p14">
-      <p:transition spd="slow" p14:dur="2250" advTm="0">
-        <p:random/>
-      </p:transition>
-    </mc:Choice>
-    <mc:Fallback xmlns="">
-      <p:transition spd="slow" advTm="0">
-        <p:random/>
-      </p:transition>
-    </mc:Fallback>
-  </mc:AlternateContent>
 </p:sldLayout>
 </file>
 
@@ -3218,18 +3170,6 @@
   <p:clrMapOvr>
     <a:masterClrMapping/>
   </p:clrMapOvr>
-  <mc:AlternateContent xmlns:mc="http://schemas.openxmlformats.org/markup-compatibility/2006" xmlns:p14="http://schemas.microsoft.com/office/powerpoint/2010/main">
-    <mc:Choice Requires="p14">
-      <p:transition spd="slow" p14:dur="2250" advTm="0">
-        <p:random/>
-      </p:transition>
-    </mc:Choice>
-    <mc:Fallback xmlns="">
-      <p:transition spd="slow" advTm="0">
-        <p:random/>
-      </p:transition>
-    </mc:Fallback>
-  </mc:AlternateContent>
 </p:sldLayout>
 </file>
 
@@ -3332,18 +3272,6 @@
   <p:clrMapOvr>
     <a:masterClrMapping/>
   </p:clrMapOvr>
-  <mc:AlternateContent xmlns:mc="http://schemas.openxmlformats.org/markup-compatibility/2006" xmlns:p14="http://schemas.microsoft.com/office/powerpoint/2010/main">
-    <mc:Choice Requires="p14">
-      <p:transition spd="slow" p14:dur="2250" advTm="0">
-        <p:random/>
-      </p:transition>
-    </mc:Choice>
-    <mc:Fallback xmlns="">
-      <p:transition spd="slow" advTm="0">
-        <p:random/>
-      </p:transition>
-    </mc:Fallback>
-  </mc:AlternateContent>
 </p:sldLayout>
 </file>
 
@@ -3446,18 +3374,6 @@
   <p:clrMapOvr>
     <a:masterClrMapping/>
   </p:clrMapOvr>
-  <mc:AlternateContent xmlns:mc="http://schemas.openxmlformats.org/markup-compatibility/2006" xmlns:p14="http://schemas.microsoft.com/office/powerpoint/2010/main">
-    <mc:Choice Requires="p14">
-      <p:transition spd="slow" p14:dur="2250" advTm="0">
-        <p:random/>
-      </p:transition>
-    </mc:Choice>
-    <mc:Fallback xmlns="">
-      <p:transition spd="slow" advTm="0">
-        <p:random/>
-      </p:transition>
-    </mc:Fallback>
-  </mc:AlternateContent>
 </p:sldLayout>
 </file>
 
@@ -3752,18 +3668,6 @@
   <p:clrMapOvr>
     <a:masterClrMapping/>
   </p:clrMapOvr>
-  <mc:AlternateContent xmlns:mc="http://schemas.openxmlformats.org/markup-compatibility/2006" xmlns:p14="http://schemas.microsoft.com/office/powerpoint/2010/main">
-    <mc:Choice Requires="p14">
-      <p:transition spd="slow" p14:dur="2250" advTm="0">
-        <p:random/>
-      </p:transition>
-    </mc:Choice>
-    <mc:Fallback xmlns="">
-      <p:transition spd="slow" advTm="0">
-        <p:random/>
-      </p:transition>
-    </mc:Fallback>
-  </mc:AlternateContent>
 </p:sldLayout>
 </file>
 
@@ -3938,18 +3842,6 @@
   <p:clrMapOvr>
     <a:masterClrMapping/>
   </p:clrMapOvr>
-  <mc:AlternateContent xmlns:mc="http://schemas.openxmlformats.org/markup-compatibility/2006" xmlns:p14="http://schemas.microsoft.com/office/powerpoint/2010/main">
-    <mc:Choice Requires="p14">
-      <p:transition spd="slow" p14:dur="2250" advTm="0">
-        <p:random/>
-      </p:transition>
-    </mc:Choice>
-    <mc:Fallback xmlns="">
-      <p:transition spd="slow" advTm="0">
-        <p:random/>
-      </p:transition>
-    </mc:Fallback>
-  </mc:AlternateContent>
 </p:sldLayout>
 </file>
 
@@ -4052,18 +3944,6 @@
   <p:clrMapOvr>
     <a:masterClrMapping/>
   </p:clrMapOvr>
-  <mc:AlternateContent xmlns:mc="http://schemas.openxmlformats.org/markup-compatibility/2006" xmlns:p14="http://schemas.microsoft.com/office/powerpoint/2010/main">
-    <mc:Choice Requires="p14">
-      <p:transition spd="slow" p14:dur="2250" advTm="0">
-        <p:random/>
-      </p:transition>
-    </mc:Choice>
-    <mc:Fallback xmlns="">
-      <p:transition spd="slow" advTm="0">
-        <p:random/>
-      </p:transition>
-    </mc:Fallback>
-  </mc:AlternateContent>
 </p:sldLayout>
 </file>
 
@@ -4446,18 +4326,6 @@
   <p:clrMapOvr>
     <a:masterClrMapping/>
   </p:clrMapOvr>
-  <mc:AlternateContent xmlns:mc="http://schemas.openxmlformats.org/markup-compatibility/2006" xmlns:p14="http://schemas.microsoft.com/office/powerpoint/2010/main">
-    <mc:Choice Requires="p14">
-      <p:transition spd="slow" p14:dur="2250" advTm="0">
-        <p:random/>
-      </p:transition>
-    </mc:Choice>
-    <mc:Fallback xmlns="">
-      <p:transition spd="slow" advTm="0">
-        <p:random/>
-      </p:transition>
-    </mc:Fallback>
-  </mc:AlternateContent>
 </p:sldLayout>
 </file>
 
@@ -4611,18 +4479,6 @@
     <p:sldLayoutId id="2147483665" r:id="rId10"/>
     <p:sldLayoutId id="2147483664" r:id="rId11"/>
   </p:sldLayoutIdLst>
-  <mc:AlternateContent xmlns:mc="http://schemas.openxmlformats.org/markup-compatibility/2006" xmlns:p14="http://schemas.microsoft.com/office/powerpoint/2010/main">
-    <mc:Choice Requires="p14">
-      <p:transition spd="slow" p14:dur="2250" advTm="0">
-        <p:random/>
-      </p:transition>
-    </mc:Choice>
-    <mc:Fallback xmlns="">
-      <p:transition spd="slow" advTm="0">
-        <p:random/>
-      </p:transition>
-    </mc:Fallback>
-  </mc:AlternateContent>
   <p:txStyles>
     <p:titleStyle>
       <a:lvl1pPr algn="l" defTabSz="914400" rtl="0" eaLnBrk="1" latinLnBrk="0" hangingPunct="1">
@@ -5326,18 +5182,6 @@
   <p:clrMapOvr>
     <a:masterClrMapping/>
   </p:clrMapOvr>
-  <mc:AlternateContent xmlns:mc="http://schemas.openxmlformats.org/markup-compatibility/2006" xmlns:p14="http://schemas.microsoft.com/office/powerpoint/2010/main">
-    <mc:Choice Requires="p14">
-      <p:transition spd="slow" p14:dur="2250">
-        <p:random/>
-      </p:transition>
-    </mc:Choice>
-    <mc:Fallback xmlns="">
-      <p:transition spd="slow">
-        <p:random/>
-      </p:transition>
-    </mc:Fallback>
-  </mc:AlternateContent>
   <p:timing>
     <p:tnLst>
       <p:par>
@@ -6301,18 +6145,6 @@
   <p:clrMapOvr>
     <a:masterClrMapping/>
   </p:clrMapOvr>
-  <mc:AlternateContent xmlns:mc="http://schemas.openxmlformats.org/markup-compatibility/2006" xmlns:p14="http://schemas.microsoft.com/office/powerpoint/2010/main">
-    <mc:Choice Requires="p14">
-      <p:transition spd="slow" p14:dur="2250" advTm="0">
-        <p:random/>
-      </p:transition>
-    </mc:Choice>
-    <mc:Fallback xmlns="">
-      <p:transition spd="slow" advTm="0">
-        <p:random/>
-      </p:transition>
-    </mc:Fallback>
-  </mc:AlternateContent>
 </p:sld>
 </file>
 
@@ -6498,18 +6330,6 @@
   <p:clrMapOvr>
     <a:masterClrMapping/>
   </p:clrMapOvr>
-  <mc:AlternateContent xmlns:mc="http://schemas.openxmlformats.org/markup-compatibility/2006" xmlns:p14="http://schemas.microsoft.com/office/powerpoint/2010/main">
-    <mc:Choice Requires="p14">
-      <p:transition spd="slow" p14:dur="2250">
-        <p:random/>
-      </p:transition>
-    </mc:Choice>
-    <mc:Fallback xmlns="">
-      <p:transition spd="slow">
-        <p:random/>
-      </p:transition>
-    </mc:Fallback>
-  </mc:AlternateContent>
   <p:timing>
     <p:tnLst>
       <p:par>
@@ -6929,7 +6749,7 @@
                   <a:schemeClr val="bg1"/>
                 </a:solidFill>
               </a:rPr>
-              <a:t>將這樣的想法技術套用到其他層面，例如：套用到大氣循環之中，</a:t>
+              <a:t>將這樣的想法技術套用到其他層面，例如：</a:t>
             </a:r>
             <a:r>
               <a:rPr lang="zh-TW" altLang="zh-TW" sz="2400" dirty="0">
@@ -6937,7 +6757,7 @@
                   <a:srgbClr val="FFFF00"/>
                 </a:solidFill>
               </a:rPr>
-              <a:t>利用某種觀測</a:t>
+              <a:t>套用到大氣循環之中</a:t>
             </a:r>
             <a:r>
               <a:rPr lang="zh-TW" altLang="zh-TW" sz="2400" dirty="0">
@@ -6945,7 +6765,7 @@
                   <a:schemeClr val="bg1"/>
                 </a:solidFill>
               </a:rPr>
-              <a:t>的方式偵測污染物或是病菌病毒擴散的來源、來向、去向、擴散程度</a:t>
+              <a:t>，利用某種觀測的方式偵測污染物或是病菌病毒擴散的來源、來向、去向、擴散程度</a:t>
             </a:r>
             <a:r>
               <a:rPr lang="en-US" altLang="zh-TW" sz="2400" dirty="0">
@@ -7185,18 +7005,6 @@
   <p:clrMapOvr>
     <a:masterClrMapping/>
   </p:clrMapOvr>
-  <mc:AlternateContent xmlns:mc="http://schemas.openxmlformats.org/markup-compatibility/2006" xmlns:p14="http://schemas.microsoft.com/office/powerpoint/2010/main">
-    <mc:Choice Requires="p14">
-      <p:transition spd="slow" p14:dur="2250" advTm="0">
-        <p:random/>
-      </p:transition>
-    </mc:Choice>
-    <mc:Fallback xmlns="">
-      <p:transition spd="slow" advTm="0">
-        <p:random/>
-      </p:transition>
-    </mc:Fallback>
-  </mc:AlternateContent>
 </p:sld>
 </file>
 
@@ -7403,7 +7211,23 @@
                   <a:schemeClr val="bg1"/>
                 </a:solidFill>
               </a:rPr>
-              <a:t>；最後，這樣的功效不但利己而且利人，可以讓世界看到有這樣的一股力量正在幫助大家趨吉避凶、幫助大家變得更好，即</a:t>
+              <a:t>；最後，這樣的功效不但利己而且利人，可以讓世界看到有這樣的一股力量正在幫助大家趨吉避凶、</a:t>
+            </a:r>
+            <a:r>
+              <a:rPr lang="zh-TW" altLang="en-US" sz="2400" dirty="0">
+                <a:solidFill>
+                  <a:schemeClr val="bg1"/>
+                </a:solidFill>
+              </a:rPr>
+              <a:t>而這股力量就是來自台灣</a:t>
+            </a:r>
+            <a:r>
+              <a:rPr lang="zh-TW" altLang="zh-TW" sz="2400" dirty="0">
+                <a:solidFill>
+                  <a:schemeClr val="bg1"/>
+                </a:solidFill>
+              </a:rPr>
+              <a:t>，即</a:t>
             </a:r>
             <a:r>
               <a:rPr lang="zh-TW" altLang="zh-TW" sz="2400" dirty="0">
@@ -7434,18 +7258,6 @@
   <p:clrMapOvr>
     <a:masterClrMapping/>
   </p:clrMapOvr>
-  <mc:AlternateContent xmlns:mc="http://schemas.openxmlformats.org/markup-compatibility/2006" xmlns:p14="http://schemas.microsoft.com/office/powerpoint/2010/main">
-    <mc:Choice Requires="p14">
-      <p:transition spd="slow" p14:dur="2250" advTm="0">
-        <p:random/>
-      </p:transition>
-    </mc:Choice>
-    <mc:Fallback xmlns="">
-      <p:transition spd="slow" advTm="0">
-        <p:random/>
-      </p:transition>
-    </mc:Fallback>
-  </mc:AlternateContent>
 </p:sld>
 </file>
 
@@ -7822,18 +7634,6 @@
   <p:clrMapOvr>
     <a:masterClrMapping/>
   </p:clrMapOvr>
-  <mc:AlternateContent xmlns:mc="http://schemas.openxmlformats.org/markup-compatibility/2006" xmlns:p14="http://schemas.microsoft.com/office/powerpoint/2010/main">
-    <mc:Choice Requires="p14">
-      <p:transition spd="slow" p14:dur="2250">
-        <p:random/>
-      </p:transition>
-    </mc:Choice>
-    <mc:Fallback xmlns="">
-      <p:transition spd="slow">
-        <p:random/>
-      </p:transition>
-    </mc:Fallback>
-  </mc:AlternateContent>
   <p:timing>
     <p:tnLst>
       <p:par>
@@ -9446,18 +9246,6 @@
   <p:clrMapOvr>
     <a:masterClrMapping/>
   </p:clrMapOvr>
-  <mc:AlternateContent xmlns:mc="http://schemas.openxmlformats.org/markup-compatibility/2006" xmlns:p14="http://schemas.microsoft.com/office/powerpoint/2010/main">
-    <mc:Choice Requires="p14">
-      <p:transition spd="slow" p14:dur="2250">
-        <p:random/>
-      </p:transition>
-    </mc:Choice>
-    <mc:Fallback xmlns="">
-      <p:transition spd="slow">
-        <p:random/>
-      </p:transition>
-    </mc:Fallback>
-  </mc:AlternateContent>
   <p:timing>
     <p:tnLst>
       <p:par>
@@ -10174,18 +9962,6 @@
   <p:clrMapOvr>
     <a:masterClrMapping/>
   </p:clrMapOvr>
-  <mc:AlternateContent xmlns:mc="http://schemas.openxmlformats.org/markup-compatibility/2006" xmlns:p14="http://schemas.microsoft.com/office/powerpoint/2010/main">
-    <mc:Choice Requires="p14">
-      <p:transition spd="slow" p14:dur="2250">
-        <p:random/>
-      </p:transition>
-    </mc:Choice>
-    <mc:Fallback xmlns="">
-      <p:transition spd="slow">
-        <p:random/>
-      </p:transition>
-    </mc:Fallback>
-  </mc:AlternateContent>
   <p:timing>
     <p:tnLst>
       <p:par>
@@ -11096,8 +10872,8 @@
         </p:nvSpPr>
         <p:spPr>
           <a:xfrm>
-            <a:off x="773389" y="2035604"/>
-            <a:ext cx="6394847" cy="1200329"/>
+            <a:off x="773389" y="2220270"/>
+            <a:ext cx="7205186" cy="830997"/>
           </a:xfrm>
           <a:prstGeom prst="rect">
             <a:avLst/>
@@ -12482,18 +12258,6 @@
   <p:clrMapOvr>
     <a:masterClrMapping/>
   </p:clrMapOvr>
-  <mc:AlternateContent xmlns:mc="http://schemas.openxmlformats.org/markup-compatibility/2006" xmlns:p14="http://schemas.microsoft.com/office/powerpoint/2010/main">
-    <mc:Choice Requires="p14">
-      <p:transition spd="slow" p14:dur="2250" advTm="0">
-        <p:random/>
-      </p:transition>
-    </mc:Choice>
-    <mc:Fallback xmlns="">
-      <p:transition spd="slow" advTm="0">
-        <p:random/>
-      </p:transition>
-    </mc:Fallback>
-  </mc:AlternateContent>
 </p:sld>
 </file>
 
@@ -12679,18 +12443,6 @@
   <p:clrMapOvr>
     <a:masterClrMapping/>
   </p:clrMapOvr>
-  <mc:AlternateContent xmlns:mc="http://schemas.openxmlformats.org/markup-compatibility/2006" xmlns:p14="http://schemas.microsoft.com/office/powerpoint/2010/main">
-    <mc:Choice Requires="p14">
-      <p:transition spd="slow" p14:dur="2250">
-        <p:random/>
-      </p:transition>
-    </mc:Choice>
-    <mc:Fallback xmlns="">
-      <p:transition spd="slow">
-        <p:random/>
-      </p:transition>
-    </mc:Fallback>
-  </mc:AlternateContent>
   <p:timing>
     <p:tnLst>
       <p:par>
@@ -14782,6 +14534,40 @@
           </p:txBody>
         </p:sp>
       </p:grpSp>
+      <p:pic>
+        <p:nvPicPr>
+          <p:cNvPr id="38" name="圖片 37">
+            <a:extLst>
+              <a:ext uri="{FF2B5EF4-FFF2-40B4-BE49-F238E27FC236}">
+                <a16:creationId xmlns:a16="http://schemas.microsoft.com/office/drawing/2014/main" id="{43D0C50B-04D3-44EC-BD4C-EC99A341F735}"/>
+              </a:ext>
+            </a:extLst>
+          </p:cNvPr>
+          <p:cNvPicPr/>
+          <p:nvPr/>
+        </p:nvPicPr>
+        <p:blipFill>
+          <a:blip r:embed="rId5" cstate="print">
+            <a:extLst>
+              <a:ext uri="{28A0092B-C50C-407E-A947-70E740481C1C}">
+                <a14:useLocalDpi xmlns:a14="http://schemas.microsoft.com/office/drawing/2010/main" val="0"/>
+              </a:ext>
+            </a:extLst>
+          </a:blip>
+          <a:stretch>
+            <a:fillRect/>
+          </a:stretch>
+        </p:blipFill>
+        <p:spPr>
+          <a:xfrm>
+            <a:off x="4600362" y="2995863"/>
+            <a:ext cx="3660988" cy="766512"/>
+          </a:xfrm>
+          <a:prstGeom prst="rect">
+            <a:avLst/>
+          </a:prstGeom>
+        </p:spPr>
+      </p:pic>
     </p:spTree>
     <p:extLst>
       <p:ext uri="{BB962C8B-B14F-4D97-AF65-F5344CB8AC3E}">
@@ -14792,18 +14578,6 @@
   <p:clrMapOvr>
     <a:masterClrMapping/>
   </p:clrMapOvr>
-  <mc:AlternateContent xmlns:mc="http://schemas.openxmlformats.org/markup-compatibility/2006" xmlns:p14="http://schemas.microsoft.com/office/powerpoint/2010/main">
-    <mc:Choice Requires="p14">
-      <p:transition spd="slow" p14:dur="2250">
-        <p:random/>
-      </p:transition>
-    </mc:Choice>
-    <mc:Fallback xmlns="">
-      <p:transition spd="slow">
-        <p:random/>
-      </p:transition>
-    </mc:Fallback>
-  </mc:AlternateContent>
   <p:timing>
     <p:tnLst>
       <p:par>
@@ -16279,9 +16053,9 @@
             <p:grpSpPr>
               <a:xfrm>
                 <a:off x="601299" y="3548742"/>
-                <a:ext cx="2476863" cy="704204"/>
+                <a:ext cx="2654773" cy="711445"/>
                 <a:chOff x="261787" y="2965008"/>
-                <a:chExt cx="2476863" cy="704204"/>
+                <a:chExt cx="2654773" cy="711445"/>
               </a:xfrm>
             </p:grpSpPr>
             <p:sp>
@@ -16298,8 +16072,8 @@
               </p:nvSpPr>
               <p:spPr>
                 <a:xfrm>
-                  <a:off x="732050" y="3340661"/>
-                  <a:ext cx="2006600" cy="328551"/>
+                  <a:off x="909960" y="3350559"/>
+                  <a:ext cx="2006600" cy="325894"/>
                 </a:xfrm>
                 <a:prstGeom prst="rect">
                   <a:avLst/>
@@ -16334,7 +16108,7 @@
                     <a:defRPr/>
                   </a:pPr>
                   <a:r>
-                    <a:rPr kumimoji="0" lang="zh-TW" altLang="en-US" sz="1400" b="0" i="0" u="none" strike="noStrike" kern="1200" cap="none" spc="0" normalizeH="0" baseline="0" noProof="0" dirty="0">
+                    <a:rPr kumimoji="0" lang="zh-TW" altLang="en-US" b="0" i="0" u="none" strike="noStrike" kern="1200" cap="none" spc="0" normalizeH="0" baseline="0" noProof="0" dirty="0">
                       <a:ln>
                         <a:noFill/>
                       </a:ln>
@@ -16349,7 +16123,7 @@
                     </a:rPr>
                     <a:t>雷達放置</a:t>
                   </a:r>
-                  <a:endParaRPr kumimoji="0" lang="zh-CN" altLang="en-US" sz="1400" b="0" i="0" u="none" strike="noStrike" kern="1200" cap="none" spc="0" normalizeH="0" baseline="0" noProof="0" dirty="0">
+                  <a:endParaRPr kumimoji="0" lang="zh-CN" altLang="en-US" b="0" i="0" u="none" strike="noStrike" kern="1200" cap="none" spc="0" normalizeH="0" baseline="0" noProof="0" dirty="0">
                     <a:ln>
                       <a:noFill/>
                     </a:ln>
@@ -17690,18 +17464,6 @@
   <p:clrMapOvr>
     <a:masterClrMapping/>
   </p:clrMapOvr>
-  <mc:AlternateContent xmlns:mc="http://schemas.openxmlformats.org/markup-compatibility/2006" xmlns:p14="http://schemas.microsoft.com/office/powerpoint/2010/main">
-    <mc:Choice Requires="p14">
-      <p:transition spd="slow" p14:dur="2250">
-        <p:random/>
-      </p:transition>
-    </mc:Choice>
-    <mc:Fallback xmlns="">
-      <p:transition spd="slow">
-        <p:random/>
-      </p:transition>
-    </mc:Fallback>
-  </mc:AlternateContent>
   <p:timing>
     <p:tnLst>
       <p:par>
@@ -18009,69 +17771,6 @@
           </a:p>
         </p:txBody>
       </p:sp>
-      <p:sp>
-        <p:nvSpPr>
-          <p:cNvPr id="13" name="文本框 12"/>
-          <p:cNvSpPr txBox="1"/>
-          <p:nvPr/>
-        </p:nvSpPr>
-        <p:spPr>
-          <a:xfrm>
-            <a:off x="2768600" y="3412627"/>
-            <a:ext cx="6654800" cy="478336"/>
-          </a:xfrm>
-          <a:prstGeom prst="rect">
-            <a:avLst/>
-          </a:prstGeom>
-          <a:noFill/>
-        </p:spPr>
-        <p:txBody>
-          <a:bodyPr wrap="square" rtlCol="0">
-            <a:spAutoFit/>
-            <a:scene3d>
-              <a:camera prst="orthographicFront"/>
-              <a:lightRig rig="threePt" dir="t"/>
-            </a:scene3d>
-            <a:sp3d contourW="12700"/>
-          </a:bodyPr>
-          <a:lstStyle/>
-          <a:p>
-            <a:pPr marL="0" marR="0" lvl="0" indent="0" algn="ctr" defTabSz="914400" rtl="0" eaLnBrk="1" fontAlgn="auto" latinLnBrk="0" hangingPunct="1">
-              <a:lnSpc>
-                <a:spcPct val="114000"/>
-              </a:lnSpc>
-              <a:spcBef>
-                <a:spcPts val="0"/>
-              </a:spcBef>
-              <a:spcAft>
-                <a:spcPts val="0"/>
-              </a:spcAft>
-              <a:buClrTx/>
-              <a:buSzTx/>
-              <a:buFontTx/>
-              <a:buNone/>
-              <a:tabLst/>
-              <a:defRPr/>
-            </a:pPr>
-            <a:r>
-              <a:rPr kumimoji="0" lang="en-US" altLang="zh-CN" sz="1100" b="0" i="0" u="none" strike="noStrike" kern="1200" cap="none" spc="0" normalizeH="0" baseline="0" noProof="0" dirty="0">
-                <a:ln>
-                  <a:noFill/>
-                </a:ln>
-                <a:solidFill>
-                  <a:prstClr val="white"/>
-                </a:solidFill>
-                <a:effectLst/>
-                <a:uLnTx/>
-                <a:uFillTx/>
-                <a:cs typeface="+mn-ea"/>
-                <a:sym typeface="+mn-lt"/>
-              </a:rPr>
-              <a:t>The user can demonstrate on a projector or computer, or print the presentation and make it into a film to be used in a wider field</a:t>
-            </a:r>
-          </a:p>
-        </p:txBody>
-      </p:sp>
     </p:spTree>
     <p:extLst>
       <p:ext uri="{BB962C8B-B14F-4D97-AF65-F5344CB8AC3E}">
@@ -18082,18 +17781,6 @@
   <p:clrMapOvr>
     <a:masterClrMapping/>
   </p:clrMapOvr>
-  <mc:AlternateContent xmlns:mc="http://schemas.openxmlformats.org/markup-compatibility/2006" xmlns:p14="http://schemas.microsoft.com/office/powerpoint/2010/main">
-    <mc:Choice Requires="p14">
-      <p:transition spd="slow" p14:dur="2250">
-        <p:random/>
-      </p:transition>
-    </mc:Choice>
-    <mc:Fallback xmlns="">
-      <p:transition spd="slow">
-        <p:random/>
-      </p:transition>
-    </mc:Fallback>
-  </mc:AlternateContent>
   <p:timing>
     <p:tnLst>
       <p:par>
@@ -18291,50 +17978,6 @@
                             </p:childTnLst>
                           </p:cTn>
                         </p:par>
-                        <p:par>
-                          <p:cTn id="16" fill="hold">
-                            <p:stCondLst>
-                              <p:cond delay="1500"/>
-                            </p:stCondLst>
-                            <p:childTnLst>
-                              <p:par>
-                                <p:cTn id="17" presetID="14" presetClass="entr" presetSubtype="10" fill="hold" grpId="0" nodeType="afterEffect">
-                                  <p:stCondLst>
-                                    <p:cond delay="0"/>
-                                  </p:stCondLst>
-                                  <p:childTnLst>
-                                    <p:set>
-                                      <p:cBhvr>
-                                        <p:cTn id="18" dur="1" fill="hold">
-                                          <p:stCondLst>
-                                            <p:cond delay="0"/>
-                                          </p:stCondLst>
-                                        </p:cTn>
-                                        <p:tgtEl>
-                                          <p:spTgt spid="13"/>
-                                        </p:tgtEl>
-                                        <p:attrNameLst>
-                                          <p:attrName>style.visibility</p:attrName>
-                                        </p:attrNameLst>
-                                      </p:cBhvr>
-                                      <p:to>
-                                        <p:strVal val="visible"/>
-                                      </p:to>
-                                    </p:set>
-                                    <p:animEffect transition="in" filter="randombar(horizontal)">
-                                      <p:cBhvr>
-                                        <p:cTn id="19" dur="500"/>
-                                        <p:tgtEl>
-                                          <p:spTgt spid="13"/>
-                                        </p:tgtEl>
-                                      </p:cBhvr>
-                                    </p:animEffect>
-                                  </p:childTnLst>
-                                </p:cTn>
-                              </p:par>
-                            </p:childTnLst>
-                          </p:cTn>
-                        </p:par>
                       </p:childTnLst>
                     </p:cTn>
                   </p:par>
@@ -18362,7 +18005,6 @@
     <p:bldLst>
       <p:bldP spid="11" grpId="0"/>
       <p:bldP spid="12" grpId="0"/>
-      <p:bldP spid="13" grpId="0"/>
     </p:bldLst>
   </p:timing>
 </p:sld>
@@ -18399,8 +18041,8 @@
         </p:nvSpPr>
         <p:spPr>
           <a:xfrm>
-            <a:off x="493432" y="1570545"/>
-            <a:ext cx="8783373" cy="4458400"/>
+            <a:off x="493433" y="1570545"/>
+            <a:ext cx="7170684" cy="4192430"/>
           </a:xfrm>
           <a:prstGeom prst="rect">
             <a:avLst/>
@@ -18420,7 +18062,7 @@
               <a:buChar char="•"/>
             </a:pPr>
             <a:r>
-              <a:rPr lang="zh-TW" altLang="zh-TW" sz="2400" dirty="0">
+              <a:rPr lang="zh-TW" altLang="zh-TW" sz="2000" dirty="0">
                 <a:solidFill>
                   <a:schemeClr val="bg1"/>
                 </a:solidFill>
@@ -18428,7 +18070,7 @@
               <a:t>可行性評估方面而言，本次概念構想處於</a:t>
             </a:r>
             <a:r>
-              <a:rPr lang="en-US" altLang="zh-TW" sz="2400" dirty="0">
+              <a:rPr lang="en-US" altLang="zh-TW" sz="2000" dirty="0">
                 <a:solidFill>
                   <a:srgbClr val="FF0000"/>
                 </a:solidFill>
@@ -18436,14 +18078,14 @@
               <a:t>TRL</a:t>
             </a:r>
             <a:r>
-              <a:rPr lang="zh-TW" altLang="zh-TW" sz="2400" dirty="0">
+              <a:rPr lang="zh-TW" altLang="zh-TW" sz="2000" dirty="0">
                 <a:solidFill>
                   <a:srgbClr val="FF0000"/>
                 </a:solidFill>
               </a:rPr>
               <a:t>指標較低的階層</a:t>
             </a:r>
-            <a:endParaRPr lang="en-US" altLang="zh-TW" sz="2400" dirty="0">
+            <a:endParaRPr lang="en-US" altLang="zh-TW" sz="2000" dirty="0">
               <a:solidFill>
                 <a:srgbClr val="FF0000"/>
               </a:solidFill>
@@ -18458,7 +18100,7 @@
               <a:buChar char="•"/>
             </a:pPr>
             <a:r>
-              <a:rPr lang="zh-TW" altLang="zh-TW" sz="2400" dirty="0">
+              <a:rPr lang="zh-TW" altLang="zh-TW" sz="2000" dirty="0">
                 <a:solidFill>
                   <a:schemeClr val="bg1"/>
                 </a:solidFill>
@@ -18466,7 +18108,7 @@
               <a:t>商業發展的部分而言，期望可以採用</a:t>
             </a:r>
             <a:r>
-              <a:rPr lang="en-US" altLang="zh-TW" sz="2400" dirty="0">
+              <a:rPr lang="en-US" altLang="zh-TW" sz="2000" dirty="0">
                 <a:solidFill>
                   <a:schemeClr val="bg1"/>
                 </a:solidFill>
@@ -18474,7 +18116,7 @@
               <a:t>COTS (Commercial Off The Shelf)</a:t>
             </a:r>
             <a:r>
-              <a:rPr lang="zh-TW" altLang="zh-TW" sz="2400" dirty="0">
+              <a:rPr lang="zh-TW" altLang="zh-TW" sz="2000" dirty="0">
                 <a:solidFill>
                   <a:schemeClr val="bg1"/>
                 </a:solidFill>
@@ -18482,7 +18124,7 @@
               <a:t>，即商用現成品的概念，希望可以有效降低在開發時程。首先是參考了陽翼先進科技在</a:t>
             </a:r>
             <a:r>
-              <a:rPr lang="en-US" altLang="zh-TW" sz="2400" dirty="0">
+              <a:rPr lang="en-US" altLang="zh-TW" sz="2000" dirty="0">
                 <a:solidFill>
                   <a:schemeClr val="bg1"/>
                 </a:solidFill>
@@ -18490,7 +18132,7 @@
               <a:t>2019</a:t>
             </a:r>
             <a:r>
-              <a:rPr lang="zh-TW" altLang="zh-TW" sz="2400" dirty="0">
+              <a:rPr lang="zh-TW" altLang="zh-TW" sz="2000" dirty="0">
                 <a:solidFill>
                   <a:schemeClr val="bg1"/>
                 </a:solidFill>
@@ -18498,7 +18140,7 @@
               <a:t>年時提出的一個概念，</a:t>
             </a:r>
             <a:r>
-              <a:rPr lang="zh-TW" altLang="zh-TW" sz="2400" b="1" dirty="0">
+              <a:rPr lang="zh-TW" altLang="zh-TW" sz="2000" b="1" dirty="0">
                 <a:solidFill>
                   <a:schemeClr val="bg1"/>
                 </a:solidFill>
@@ -18506,14 +18148,14 @@
               <a:t>「與全球各地的小火箭商結盟，增加發射頻率。這樣就不用去等大型的任務計畫，一次將一堆小客人湊在一起就能直接發射。」</a:t>
             </a:r>
             <a:r>
-              <a:rPr lang="zh-TW" altLang="zh-TW" sz="2400" dirty="0">
+              <a:rPr lang="zh-TW" altLang="zh-TW" sz="2000" dirty="0">
                 <a:solidFill>
                   <a:schemeClr val="bg1"/>
                 </a:solidFill>
               </a:rPr>
               <a:t>類似管制分流的概念，進而衍伸出了本次「太空衛星工廠」的想法</a:t>
             </a:r>
-            <a:endParaRPr lang="zh-TW" altLang="en-US" sz="2400" dirty="0">
+            <a:endParaRPr lang="zh-TW" altLang="en-US" sz="2000" dirty="0">
               <a:solidFill>
                 <a:schemeClr val="bg1"/>
               </a:solidFill>
@@ -18550,8 +18192,8 @@
         </p:blipFill>
         <p:spPr bwMode="auto">
           <a:xfrm>
-            <a:off x="9102970" y="4588515"/>
-            <a:ext cx="2907991" cy="2087788"/>
+            <a:off x="9319538" y="4668251"/>
+            <a:ext cx="2729893" cy="1959923"/>
           </a:xfrm>
           <a:prstGeom prst="rect">
             <a:avLst/>
@@ -19023,6 +18665,42 @@
           </a:p>
         </p:txBody>
       </p:sp>
+      <p:pic>
+        <p:nvPicPr>
+          <p:cNvPr id="13" name="圖片 12">
+            <a:extLst>
+              <a:ext uri="{FF2B5EF4-FFF2-40B4-BE49-F238E27FC236}">
+                <a16:creationId xmlns:a16="http://schemas.microsoft.com/office/drawing/2014/main" id="{4158BDE8-B52E-4C83-BC1E-CC8B84A1FD82}"/>
+              </a:ext>
+            </a:extLst>
+          </p:cNvPr>
+          <p:cNvPicPr>
+            <a:picLocks noChangeAspect="1"/>
+          </p:cNvPicPr>
+          <p:nvPr/>
+        </p:nvPicPr>
+        <p:blipFill>
+          <a:blip r:embed="rId4">
+            <a:extLst>
+              <a:ext uri="{28A0092B-C50C-407E-A947-70E740481C1C}">
+                <a14:useLocalDpi xmlns:a14="http://schemas.microsoft.com/office/drawing/2010/main" val="0"/>
+              </a:ext>
+            </a:extLst>
+          </a:blip>
+          <a:stretch>
+            <a:fillRect/>
+          </a:stretch>
+        </p:blipFill>
+        <p:spPr>
+          <a:xfrm>
+            <a:off x="7848367" y="1219187"/>
+            <a:ext cx="4230434" cy="3399851"/>
+          </a:xfrm>
+          <a:prstGeom prst="rect">
+            <a:avLst/>
+          </a:prstGeom>
+        </p:spPr>
+      </p:pic>
     </p:spTree>
     <p:extLst>
       <p:ext uri="{BB962C8B-B14F-4D97-AF65-F5344CB8AC3E}">
@@ -19033,18 +18711,6 @@
   <p:clrMapOvr>
     <a:masterClrMapping/>
   </p:clrMapOvr>
-  <mc:AlternateContent xmlns:mc="http://schemas.openxmlformats.org/markup-compatibility/2006" xmlns:p14="http://schemas.microsoft.com/office/powerpoint/2010/main">
-    <mc:Choice Requires="p14">
-      <p:transition spd="slow" p14:dur="2250" advTm="0">
-        <p:random/>
-      </p:transition>
-    </mc:Choice>
-    <mc:Fallback xmlns="">
-      <p:transition spd="slow" advTm="0">
-        <p:random/>
-      </p:transition>
-    </mc:Fallback>
-  </mc:AlternateContent>
 </p:sld>
 </file>
 

--- a/bigdata.pptx
+++ b/bigdata.pptx
@@ -5172,6 +5172,336 @@
           </a:p>
         </p:txBody>
       </p:sp>
+      <p:pic>
+        <p:nvPicPr>
+          <p:cNvPr id="8" name="Picture 8">
+            <a:extLst>
+              <a:ext uri="{FF2B5EF4-FFF2-40B4-BE49-F238E27FC236}">
+                <a16:creationId xmlns:a16="http://schemas.microsoft.com/office/drawing/2014/main" id="{3C643C36-AA5A-42EA-A867-5EBCF2D875D6}"/>
+              </a:ext>
+            </a:extLst>
+          </p:cNvPr>
+          <p:cNvPicPr>
+            <a:picLocks noChangeAspect="1"/>
+          </p:cNvPicPr>
+          <p:nvPr/>
+        </p:nvPicPr>
+        <p:blipFill>
+          <a:blip r:embed="rId6" cstate="print">
+            <a:duotone>
+              <a:schemeClr val="accent3">
+                <a:shade val="45000"/>
+                <a:satMod val="135000"/>
+              </a:schemeClr>
+              <a:prstClr val="white"/>
+            </a:duotone>
+            <a:extLst>
+              <a:ext uri="{28A0092B-C50C-407E-A947-70E740481C1C}">
+                <a14:useLocalDpi xmlns:a14="http://schemas.microsoft.com/office/drawing/2010/main" val="0"/>
+              </a:ext>
+            </a:extLst>
+          </a:blip>
+          <a:stretch>
+            <a:fillRect/>
+          </a:stretch>
+        </p:blipFill>
+        <p:spPr>
+          <a:xfrm>
+            <a:off x="223693" y="5702074"/>
+            <a:ext cx="1012443" cy="1012443"/>
+          </a:xfrm>
+          <a:prstGeom prst="rect">
+            <a:avLst/>
+          </a:prstGeom>
+        </p:spPr>
+      </p:pic>
+      <p:pic>
+        <p:nvPicPr>
+          <p:cNvPr id="13" name="Google Shape;91;p1">
+            <a:extLst>
+              <a:ext uri="{FF2B5EF4-FFF2-40B4-BE49-F238E27FC236}">
+                <a16:creationId xmlns:a16="http://schemas.microsoft.com/office/drawing/2014/main" id="{EAEEF7EC-2B90-4E50-BCE5-31AC4AF1775A}"/>
+              </a:ext>
+            </a:extLst>
+          </p:cNvPr>
+          <p:cNvPicPr preferRelativeResize="0"/>
+          <p:nvPr/>
+        </p:nvPicPr>
+        <p:blipFill>
+          <a:blip r:embed="rId7">
+            <a:alphaModFix/>
+          </a:blip>
+          <a:stretch>
+            <a:fillRect/>
+          </a:stretch>
+        </p:blipFill>
+        <p:spPr>
+          <a:xfrm>
+            <a:off x="11004774" y="5738570"/>
+            <a:ext cx="996440" cy="975947"/>
+          </a:xfrm>
+          <a:prstGeom prst="rect">
+            <a:avLst/>
+          </a:prstGeom>
+          <a:noFill/>
+          <a:ln>
+            <a:noFill/>
+          </a:ln>
+        </p:spPr>
+      </p:pic>
+      <p:sp>
+        <p:nvSpPr>
+          <p:cNvPr id="14" name="副標題 2">
+            <a:extLst>
+              <a:ext uri="{FF2B5EF4-FFF2-40B4-BE49-F238E27FC236}">
+                <a16:creationId xmlns:a16="http://schemas.microsoft.com/office/drawing/2014/main" id="{FE52B1A0-08CE-4056-8DC9-BF64EF1727DA}"/>
+              </a:ext>
+            </a:extLst>
+          </p:cNvPr>
+          <p:cNvSpPr txBox="1">
+            <a:spLocks/>
+          </p:cNvSpPr>
+          <p:nvPr/>
+        </p:nvSpPr>
+        <p:spPr>
+          <a:xfrm>
+            <a:off x="1810495" y="4898325"/>
+            <a:ext cx="6858000" cy="697765"/>
+          </a:xfrm>
+          <a:prstGeom prst="rect">
+            <a:avLst/>
+          </a:prstGeom>
+        </p:spPr>
+        <p:txBody>
+          <a:bodyPr vert="horz" lIns="91440" tIns="45720" rIns="91440" bIns="45720" rtlCol="0">
+            <a:noAutofit/>
+          </a:bodyPr>
+          <a:lstStyle>
+            <a:defPPr>
+              <a:defRPr lang="zh-TW"/>
+            </a:defPPr>
+            <a:lvl1pPr marL="0" algn="l" defTabSz="914400" rtl="0" eaLnBrk="1" latinLnBrk="0" hangingPunct="1">
+              <a:defRPr sz="1800" kern="1200">
+                <a:solidFill>
+                  <a:schemeClr val="tx1"/>
+                </a:solidFill>
+                <a:latin typeface="+mn-lt"/>
+                <a:ea typeface="+mn-ea"/>
+                <a:cs typeface="+mn-cs"/>
+              </a:defRPr>
+            </a:lvl1pPr>
+            <a:lvl2pPr marL="457200" algn="l" defTabSz="914400" rtl="0" eaLnBrk="1" latinLnBrk="0" hangingPunct="1">
+              <a:defRPr sz="1800" kern="1200">
+                <a:solidFill>
+                  <a:schemeClr val="tx1"/>
+                </a:solidFill>
+                <a:latin typeface="+mn-lt"/>
+                <a:ea typeface="+mn-ea"/>
+                <a:cs typeface="+mn-cs"/>
+              </a:defRPr>
+            </a:lvl2pPr>
+            <a:lvl3pPr marL="914400" algn="l" defTabSz="914400" rtl="0" eaLnBrk="1" latinLnBrk="0" hangingPunct="1">
+              <a:defRPr sz="1800" kern="1200">
+                <a:solidFill>
+                  <a:schemeClr val="tx1"/>
+                </a:solidFill>
+                <a:latin typeface="+mn-lt"/>
+                <a:ea typeface="+mn-ea"/>
+                <a:cs typeface="+mn-cs"/>
+              </a:defRPr>
+            </a:lvl3pPr>
+            <a:lvl4pPr marL="1371600" algn="l" defTabSz="914400" rtl="0" eaLnBrk="1" latinLnBrk="0" hangingPunct="1">
+              <a:defRPr sz="1800" kern="1200">
+                <a:solidFill>
+                  <a:schemeClr val="tx1"/>
+                </a:solidFill>
+                <a:latin typeface="+mn-lt"/>
+                <a:ea typeface="+mn-ea"/>
+                <a:cs typeface="+mn-cs"/>
+              </a:defRPr>
+            </a:lvl4pPr>
+            <a:lvl5pPr marL="1828800" algn="l" defTabSz="914400" rtl="0" eaLnBrk="1" latinLnBrk="0" hangingPunct="1">
+              <a:defRPr sz="1800" kern="1200">
+                <a:solidFill>
+                  <a:schemeClr val="tx1"/>
+                </a:solidFill>
+                <a:latin typeface="+mn-lt"/>
+                <a:ea typeface="+mn-ea"/>
+                <a:cs typeface="+mn-cs"/>
+              </a:defRPr>
+            </a:lvl5pPr>
+            <a:lvl6pPr marL="2286000" algn="l" defTabSz="914400" rtl="0" eaLnBrk="1" latinLnBrk="0" hangingPunct="1">
+              <a:defRPr sz="1800" kern="1200">
+                <a:solidFill>
+                  <a:schemeClr val="tx1"/>
+                </a:solidFill>
+                <a:latin typeface="+mn-lt"/>
+                <a:ea typeface="+mn-ea"/>
+                <a:cs typeface="+mn-cs"/>
+              </a:defRPr>
+            </a:lvl6pPr>
+            <a:lvl7pPr marL="2743200" algn="l" defTabSz="914400" rtl="0" eaLnBrk="1" latinLnBrk="0" hangingPunct="1">
+              <a:defRPr sz="1800" kern="1200">
+                <a:solidFill>
+                  <a:schemeClr val="tx1"/>
+                </a:solidFill>
+                <a:latin typeface="+mn-lt"/>
+                <a:ea typeface="+mn-ea"/>
+                <a:cs typeface="+mn-cs"/>
+              </a:defRPr>
+            </a:lvl7pPr>
+            <a:lvl8pPr marL="3200400" algn="l" defTabSz="914400" rtl="0" eaLnBrk="1" latinLnBrk="0" hangingPunct="1">
+              <a:defRPr sz="1800" kern="1200">
+                <a:solidFill>
+                  <a:schemeClr val="tx1"/>
+                </a:solidFill>
+                <a:latin typeface="+mn-lt"/>
+                <a:ea typeface="+mn-ea"/>
+                <a:cs typeface="+mn-cs"/>
+              </a:defRPr>
+            </a:lvl8pPr>
+            <a:lvl9pPr marL="3657600" algn="l" defTabSz="914400" rtl="0" eaLnBrk="1" latinLnBrk="0" hangingPunct="1">
+              <a:defRPr sz="1800" kern="1200">
+                <a:solidFill>
+                  <a:schemeClr val="tx1"/>
+                </a:solidFill>
+                <a:latin typeface="+mn-lt"/>
+                <a:ea typeface="+mn-ea"/>
+                <a:cs typeface="+mn-cs"/>
+              </a:defRPr>
+            </a:lvl9pPr>
+          </a:lstStyle>
+          <a:p>
+            <a:r>
+              <a:rPr lang="en-US" altLang="zh-TW" sz="1800" dirty="0">
+                <a:solidFill>
+                  <a:schemeClr val="bg1"/>
+                </a:solidFill>
+                <a:latin typeface="Arial" panose="020B0604020202020204" pitchFamily="34" charset="0"/>
+                <a:cs typeface="Arial" panose="020B0604020202020204" pitchFamily="34" charset="0"/>
+              </a:rPr>
+              <a:t>Chung Cheng Institute of Technology, National Defense University,</a:t>
+            </a:r>
+          </a:p>
+          <a:p>
+            <a:r>
+              <a:rPr lang="en-US" altLang="zh-TW" sz="1800" dirty="0">
+                <a:solidFill>
+                  <a:schemeClr val="bg1"/>
+                </a:solidFill>
+                <a:latin typeface="Arial" panose="020B0604020202020204" pitchFamily="34" charset="0"/>
+                <a:cs typeface="Arial" panose="020B0604020202020204" pitchFamily="34" charset="0"/>
+              </a:rPr>
+              <a:t>National </a:t>
+            </a:r>
+            <a:r>
+              <a:rPr lang="en-US" altLang="zh-TW" sz="1800" dirty="0" err="1">
+                <a:solidFill>
+                  <a:schemeClr val="bg1"/>
+                </a:solidFill>
+                <a:latin typeface="Arial" panose="020B0604020202020204" pitchFamily="34" charset="0"/>
+                <a:cs typeface="Arial" panose="020B0604020202020204" pitchFamily="34" charset="0"/>
+              </a:rPr>
+              <a:t>Chiao</a:t>
+            </a:r>
+            <a:r>
+              <a:rPr lang="en-US" altLang="zh-TW" sz="1800" dirty="0">
+                <a:solidFill>
+                  <a:schemeClr val="bg1"/>
+                </a:solidFill>
+                <a:latin typeface="Arial" panose="020B0604020202020204" pitchFamily="34" charset="0"/>
+                <a:cs typeface="Arial" panose="020B0604020202020204" pitchFamily="34" charset="0"/>
+              </a:rPr>
+              <a:t> Tung University .</a:t>
+            </a:r>
+            <a:endParaRPr lang="zh-TW" altLang="en-US" sz="1800" dirty="0">
+              <a:solidFill>
+                <a:schemeClr val="bg1"/>
+              </a:solidFill>
+              <a:latin typeface="Arial" panose="020B0604020202020204" pitchFamily="34" charset="0"/>
+              <a:cs typeface="Arial" panose="020B0604020202020204" pitchFamily="34" charset="0"/>
+            </a:endParaRPr>
+          </a:p>
+        </p:txBody>
+      </p:sp>
+      <p:sp>
+        <p:nvSpPr>
+          <p:cNvPr id="2" name="矩形 1">
+            <a:extLst>
+              <a:ext uri="{FF2B5EF4-FFF2-40B4-BE49-F238E27FC236}">
+                <a16:creationId xmlns:a16="http://schemas.microsoft.com/office/drawing/2014/main" id="{7A152944-3934-4E3D-BFC0-EDF0B05FF641}"/>
+              </a:ext>
+            </a:extLst>
+          </p:cNvPr>
+          <p:cNvSpPr/>
+          <p:nvPr/>
+        </p:nvSpPr>
+        <p:spPr>
+          <a:xfrm>
+            <a:off x="1745911" y="5618200"/>
+            <a:ext cx="3493584" cy="369332"/>
+          </a:xfrm>
+          <a:prstGeom prst="rect">
+            <a:avLst/>
+          </a:prstGeom>
+        </p:spPr>
+        <p:txBody>
+          <a:bodyPr wrap="none">
+            <a:spAutoFit/>
+          </a:bodyPr>
+          <a:lstStyle/>
+          <a:p>
+            <a:pPr algn="ctr"/>
+            <a:r>
+              <a:rPr lang="en-US" altLang="zh-TW" dirty="0">
+                <a:solidFill>
+                  <a:schemeClr val="bg1"/>
+                </a:solidFill>
+                <a:latin typeface="Arial" panose="020B0604020202020204" pitchFamily="34" charset="0"/>
+                <a:cs typeface="Arial" panose="020B0604020202020204" pitchFamily="34" charset="0"/>
+              </a:rPr>
+              <a:t>Prof. Ming-Chung Lo,</a:t>
+            </a:r>
+            <a:r>
+              <a:rPr lang="zh-TW" altLang="en-US" dirty="0">
+                <a:solidFill>
+                  <a:schemeClr val="bg1"/>
+                </a:solidFill>
+                <a:latin typeface="Arial" panose="020B0604020202020204" pitchFamily="34" charset="0"/>
+                <a:cs typeface="Arial" panose="020B0604020202020204" pitchFamily="34" charset="0"/>
+              </a:rPr>
+              <a:t> </a:t>
+            </a:r>
+            <a:r>
+              <a:rPr lang="en-US" altLang="zh-TW" dirty="0" err="1">
+                <a:solidFill>
+                  <a:schemeClr val="bg1"/>
+                </a:solidFill>
+                <a:latin typeface="Arial" panose="020B0604020202020204" pitchFamily="34" charset="0"/>
+                <a:cs typeface="Arial" panose="020B0604020202020204" pitchFamily="34" charset="0"/>
+              </a:rPr>
+              <a:t>Szu</a:t>
+            </a:r>
+            <a:r>
+              <a:rPr lang="en-US" altLang="zh-TW" dirty="0">
+                <a:solidFill>
+                  <a:schemeClr val="bg1"/>
+                </a:solidFill>
+                <a:latin typeface="Arial" panose="020B0604020202020204" pitchFamily="34" charset="0"/>
+                <a:cs typeface="Arial" panose="020B0604020202020204" pitchFamily="34" charset="0"/>
+              </a:rPr>
+              <a:t>-I Yeh </a:t>
+            </a:r>
+            <a:endParaRPr lang="zh-TW" altLang="en-US" dirty="0">
+              <a:solidFill>
+                <a:schemeClr val="bg1"/>
+              </a:solidFill>
+              <a:latin typeface="Arial" panose="020B0604020202020204" pitchFamily="34" charset="0"/>
+              <a:cs typeface="Arial" panose="020B0604020202020204" pitchFamily="34" charset="0"/>
+            </a:endParaRPr>
+          </a:p>
+        </p:txBody>
+      </p:sp>
     </p:spTree>
     <p:extLst>
       <p:ext uri="{BB962C8B-B14F-4D97-AF65-F5344CB8AC3E}">
@@ -7280,141 +7610,51 @@
       </p:grpSpPr>
       <p:grpSp>
         <p:nvGrpSpPr>
-          <p:cNvPr id="2" name="组合 1"/>
+          <p:cNvPr id="8" name="组合 20">
+            <a:extLst>
+              <a:ext uri="{FF2B5EF4-FFF2-40B4-BE49-F238E27FC236}">
+                <a16:creationId xmlns:a16="http://schemas.microsoft.com/office/drawing/2014/main" id="{B639A35E-685E-4B34-AD55-78D223EABA19}"/>
+              </a:ext>
+            </a:extLst>
+          </p:cNvPr>
           <p:cNvGrpSpPr/>
           <p:nvPr/>
         </p:nvGrpSpPr>
         <p:grpSpPr>
           <a:xfrm>
-            <a:off x="624222" y="2007993"/>
-            <a:ext cx="7373150" cy="1685735"/>
-            <a:chOff x="624222" y="2007993"/>
-            <a:chExt cx="7373150" cy="1685735"/>
+            <a:off x="0" y="687070"/>
+            <a:ext cx="12192965" cy="694056"/>
+            <a:chOff x="0" y="623570"/>
+            <a:chExt cx="12192965" cy="694056"/>
           </a:xfrm>
         </p:grpSpPr>
-        <p:sp>
-          <p:nvSpPr>
-            <p:cNvPr id="9" name="PA_矩形 6"/>
-            <p:cNvSpPr/>
-            <p:nvPr>
-              <p:custDataLst>
-                <p:tags r:id="rId1"/>
-              </p:custDataLst>
-            </p:nvPr>
-          </p:nvSpPr>
-          <p:spPr>
-            <a:xfrm rot="2700000">
-              <a:off x="4245793" y="3520948"/>
-              <a:ext cx="172780" cy="172780"/>
-            </a:xfrm>
-            <a:prstGeom prst="rect">
-              <a:avLst/>
-            </a:prstGeom>
-            <a:solidFill>
-              <a:schemeClr val="bg1"/>
-            </a:solidFill>
-            <a:ln>
-              <a:noFill/>
-            </a:ln>
-          </p:spPr>
-          <p:style>
-            <a:lnRef idx="2">
-              <a:schemeClr val="accent1">
-                <a:shade val="50000"/>
-              </a:schemeClr>
-            </a:lnRef>
-            <a:fillRef idx="1">
-              <a:schemeClr val="accent1"/>
-            </a:fillRef>
-            <a:effectRef idx="0">
-              <a:schemeClr val="accent1"/>
-            </a:effectRef>
-            <a:fontRef idx="minor">
-              <a:schemeClr val="lt1"/>
-            </a:fontRef>
-          </p:style>
-          <p:txBody>
-            <a:bodyPr rtlCol="0" anchor="ctr">
-              <a:scene3d>
-                <a:camera prst="orthographicFront"/>
-                <a:lightRig rig="threePt" dir="t"/>
-              </a:scene3d>
-              <a:sp3d contourW="12700"/>
-            </a:bodyPr>
-            <a:lstStyle/>
-            <a:p>
-              <a:pPr marL="0" marR="0" lvl="0" indent="0" algn="ctr" defTabSz="914400" rtl="0" eaLnBrk="1" fontAlgn="auto" latinLnBrk="0" hangingPunct="1">
-                <a:lnSpc>
-                  <a:spcPct val="100000"/>
-                </a:lnSpc>
-                <a:spcBef>
-                  <a:spcPts val="0"/>
-                </a:spcBef>
-                <a:spcAft>
-                  <a:spcPts val="0"/>
-                </a:spcAft>
-                <a:buClrTx/>
-                <a:buSzTx/>
-                <a:buFontTx/>
-                <a:buNone/>
-                <a:tabLst/>
-                <a:defRPr/>
-              </a:pPr>
-              <a:endParaRPr kumimoji="0" lang="en-US" sz="1800" b="0" i="0" u="none" strike="noStrike" kern="1200" cap="none" spc="0" normalizeH="0" baseline="0" noProof="0" dirty="0">
-                <a:ln>
-                  <a:noFill/>
-                </a:ln>
-                <a:solidFill>
-                  <a:prstClr val="white"/>
-                </a:solidFill>
-                <a:effectLst/>
-                <a:uLnTx/>
-                <a:uFillTx/>
-                <a:cs typeface="+mn-ea"/>
-                <a:sym typeface="+mn-lt"/>
-              </a:endParaRPr>
-            </a:p>
-          </p:txBody>
-        </p:sp>
         <p:cxnSp>
           <p:nvCxnSpPr>
-            <p:cNvPr id="10" name="PA_直接连接符 8"/>
+            <p:cNvPr id="14" name="直接连接符 21">
+              <a:extLst>
+                <a:ext uri="{FF2B5EF4-FFF2-40B4-BE49-F238E27FC236}">
+                  <a16:creationId xmlns:a16="http://schemas.microsoft.com/office/drawing/2014/main" id="{BFFEF0F1-18AC-4E53-BBED-2EA340C91A22}"/>
+                </a:ext>
+              </a:extLst>
+            </p:cNvPr>
             <p:cNvCxnSpPr/>
-            <p:nvPr>
-              <p:custDataLst>
-                <p:tags r:id="rId2"/>
-              </p:custDataLst>
-            </p:nvPr>
+            <p:nvPr/>
           </p:nvCxnSpPr>
           <p:spPr>
-            <a:xfrm flipH="1">
-              <a:off x="2726971" y="3607338"/>
-              <a:ext cx="1367849" cy="0"/>
+            <a:xfrm>
+              <a:off x="0" y="1016000"/>
+              <a:ext cx="10147300" cy="0"/>
             </a:xfrm>
             <a:prstGeom prst="line">
               <a:avLst/>
             </a:prstGeom>
-            <a:solidFill>
-              <a:schemeClr val="bg1"/>
-            </a:solidFill>
-            <a:ln>
-              <a:gradFill flip="none" rotWithShape="1">
-                <a:gsLst>
-                  <a:gs pos="0">
-                    <a:schemeClr val="accent1">
-                      <a:lumMod val="5000"/>
-                      <a:lumOff val="95000"/>
-                    </a:schemeClr>
-                  </a:gs>
-                  <a:gs pos="100000">
-                    <a:schemeClr val="bg1">
-                      <a:alpha val="0"/>
-                    </a:schemeClr>
-                  </a:gs>
-                </a:gsLst>
-                <a:lin ang="0" scaled="1"/>
-                <a:tileRect/>
-              </a:gradFill>
+            <a:ln w="28575" cap="rnd">
+              <a:solidFill>
+                <a:schemeClr val="bg1">
+                  <a:alpha val="70000"/>
+                </a:schemeClr>
+              </a:solidFill>
+              <a:round/>
             </a:ln>
           </p:spPr>
           <p:style>
@@ -7434,43 +7674,31 @@
         </p:cxnSp>
         <p:cxnSp>
           <p:nvCxnSpPr>
-            <p:cNvPr id="11" name="PA_直接连接符 9"/>
+            <p:cNvPr id="15" name="直接连接符 22">
+              <a:extLst>
+                <a:ext uri="{FF2B5EF4-FFF2-40B4-BE49-F238E27FC236}">
+                  <a16:creationId xmlns:a16="http://schemas.microsoft.com/office/drawing/2014/main" id="{F678533E-2F0C-46E2-BBFD-74E336AC93B2}"/>
+                </a:ext>
+              </a:extLst>
+            </p:cNvPr>
             <p:cNvCxnSpPr/>
-            <p:nvPr>
-              <p:custDataLst>
-                <p:tags r:id="rId3"/>
-              </p:custDataLst>
-            </p:nvPr>
+            <p:nvPr/>
           </p:nvCxnSpPr>
           <p:spPr>
             <a:xfrm flipH="1">
-              <a:off x="4584367" y="3607338"/>
-              <a:ext cx="1310256" cy="0"/>
+              <a:off x="10147300" y="723900"/>
+              <a:ext cx="183606" cy="292100"/>
             </a:xfrm>
             <a:prstGeom prst="line">
               <a:avLst/>
             </a:prstGeom>
-            <a:solidFill>
-              <a:schemeClr val="bg1"/>
-            </a:solidFill>
-            <a:ln>
-              <a:gradFill flip="none" rotWithShape="1">
-                <a:gsLst>
-                  <a:gs pos="100000">
-                    <a:schemeClr val="accent1">
-                      <a:lumMod val="5000"/>
-                      <a:lumOff val="95000"/>
-                    </a:schemeClr>
-                  </a:gs>
-                  <a:gs pos="0">
-                    <a:schemeClr val="bg1">
-                      <a:alpha val="0"/>
-                    </a:schemeClr>
-                  </a:gs>
-                </a:gsLst>
-                <a:lin ang="0" scaled="1"/>
-                <a:tileRect/>
-              </a:gradFill>
+            <a:ln w="28575" cap="rnd">
+              <a:solidFill>
+                <a:schemeClr val="bg1">
+                  <a:alpha val="70000"/>
+                </a:schemeClr>
+              </a:solidFill>
+              <a:round/>
             </a:ln>
           </p:spPr>
           <p:style>
@@ -7488,142 +7716,547 @@
             </a:fontRef>
           </p:style>
         </p:cxnSp>
-        <p:sp>
-          <p:nvSpPr>
-            <p:cNvPr id="12" name="文本框 11"/>
-            <p:cNvSpPr txBox="1"/>
+        <p:cxnSp>
+          <p:nvCxnSpPr>
+            <p:cNvPr id="16" name="直接连接符 23">
+              <a:extLst>
+                <a:ext uri="{FF2B5EF4-FFF2-40B4-BE49-F238E27FC236}">
+                  <a16:creationId xmlns:a16="http://schemas.microsoft.com/office/drawing/2014/main" id="{7498A222-677E-4684-9B91-B3B0EF876C99}"/>
+                </a:ext>
+              </a:extLst>
+            </p:cNvPr>
+            <p:cNvCxnSpPr/>
             <p:nvPr/>
-          </p:nvSpPr>
+          </p:nvCxnSpPr>
           <p:spPr>
             <a:xfrm>
-              <a:off x="624222" y="2403143"/>
-              <a:ext cx="7373150" cy="1015663"/>
+              <a:off x="10330906" y="723900"/>
+              <a:ext cx="134257" cy="544513"/>
             </a:xfrm>
-            <a:prstGeom prst="rect">
+            <a:prstGeom prst="line">
               <a:avLst/>
             </a:prstGeom>
-            <a:noFill/>
+            <a:ln w="28575" cap="rnd">
+              <a:solidFill>
+                <a:schemeClr val="bg1">
+                  <a:alpha val="70000"/>
+                </a:schemeClr>
+              </a:solidFill>
+              <a:round/>
+            </a:ln>
           </p:spPr>
-          <p:txBody>
-            <a:bodyPr wrap="square" rtlCol="0">
-              <a:spAutoFit/>
-              <a:scene3d>
-                <a:camera prst="orthographicFront"/>
-                <a:lightRig rig="threePt" dir="t"/>
-              </a:scene3d>
-              <a:sp3d contourW="12700"/>
-            </a:bodyPr>
-            <a:lstStyle/>
-            <a:p>
-              <a:pPr lvl="0" algn="ctr">
-                <a:defRPr/>
-              </a:pPr>
-              <a:r>
-                <a:rPr lang="zh-TW" altLang="en-US" sz="6000" spc="100" dirty="0">
-                  <a:solidFill>
-                    <a:prstClr val="white"/>
-                  </a:solidFill>
-                  <a:effectLst>
-                    <a:outerShdw blurRad="88900" dist="50800" dir="2700000" algn="tl" rotWithShape="0">
-                      <a:prstClr val="black">
-                        <a:alpha val="65000"/>
-                      </a:prstClr>
-                    </a:outerShdw>
-                  </a:effectLst>
-                  <a:cs typeface="+mn-ea"/>
-                  <a:sym typeface="+mn-lt"/>
-                </a:rPr>
-                <a:t>致謝</a:t>
-              </a:r>
-              <a:endParaRPr kumimoji="0" lang="zh-CN" altLang="en-US" sz="6000" b="0" i="0" u="none" strike="noStrike" kern="1200" cap="none" spc="100" normalizeH="0" baseline="0" noProof="0" dirty="0">
-                <a:ln>
-                  <a:noFill/>
-                </a:ln>
+          <p:style>
+            <a:lnRef idx="1">
+              <a:schemeClr val="accent1"/>
+            </a:lnRef>
+            <a:fillRef idx="0">
+              <a:schemeClr val="accent1"/>
+            </a:fillRef>
+            <a:effectRef idx="0">
+              <a:schemeClr val="accent1"/>
+            </a:effectRef>
+            <a:fontRef idx="minor">
+              <a:schemeClr val="tx1"/>
+            </a:fontRef>
+          </p:style>
+        </p:cxnSp>
+        <p:cxnSp>
+          <p:nvCxnSpPr>
+            <p:cNvPr id="17" name="直接连接符 24">
+              <a:extLst>
+                <a:ext uri="{FF2B5EF4-FFF2-40B4-BE49-F238E27FC236}">
+                  <a16:creationId xmlns:a16="http://schemas.microsoft.com/office/drawing/2014/main" id="{7C2E6D1F-C497-4344-BD95-BCDF5AB147D4}"/>
+                </a:ext>
+              </a:extLst>
+            </p:cNvPr>
+            <p:cNvCxnSpPr/>
+            <p:nvPr/>
+          </p:nvCxnSpPr>
+          <p:spPr>
+            <a:xfrm flipH="1">
+              <a:off x="10465163" y="976313"/>
+              <a:ext cx="183606" cy="292100"/>
+            </a:xfrm>
+            <a:prstGeom prst="line">
+              <a:avLst/>
+            </a:prstGeom>
+            <a:ln w="28575" cap="rnd">
+              <a:solidFill>
+                <a:schemeClr val="bg1">
+                  <a:alpha val="70000"/>
+                </a:schemeClr>
+              </a:solidFill>
+              <a:round/>
+            </a:ln>
+          </p:spPr>
+          <p:style>
+            <a:lnRef idx="1">
+              <a:schemeClr val="accent1"/>
+            </a:lnRef>
+            <a:fillRef idx="0">
+              <a:schemeClr val="accent1"/>
+            </a:fillRef>
+            <a:effectRef idx="0">
+              <a:schemeClr val="accent1"/>
+            </a:effectRef>
+            <a:fontRef idx="minor">
+              <a:schemeClr val="tx1"/>
+            </a:fontRef>
+          </p:style>
+        </p:cxnSp>
+        <p:cxnSp>
+          <p:nvCxnSpPr>
+            <p:cNvPr id="18" name="直接连接符 25">
+              <a:extLst>
+                <a:ext uri="{FF2B5EF4-FFF2-40B4-BE49-F238E27FC236}">
+                  <a16:creationId xmlns:a16="http://schemas.microsoft.com/office/drawing/2014/main" id="{B1922BA4-1F87-44A6-BF1C-13013CC04D28}"/>
+                </a:ext>
+              </a:extLst>
+            </p:cNvPr>
+            <p:cNvCxnSpPr/>
+            <p:nvPr/>
+          </p:nvCxnSpPr>
+          <p:spPr>
+            <a:xfrm>
+              <a:off x="10648769" y="976313"/>
+              <a:ext cx="75967" cy="341313"/>
+            </a:xfrm>
+            <a:prstGeom prst="line">
+              <a:avLst/>
+            </a:prstGeom>
+            <a:ln w="28575" cap="rnd">
+              <a:solidFill>
+                <a:schemeClr val="bg1">
+                  <a:alpha val="70000"/>
+                </a:schemeClr>
+              </a:solidFill>
+              <a:round/>
+            </a:ln>
+          </p:spPr>
+          <p:style>
+            <a:lnRef idx="1">
+              <a:schemeClr val="accent1"/>
+            </a:lnRef>
+            <a:fillRef idx="0">
+              <a:schemeClr val="accent1"/>
+            </a:fillRef>
+            <a:effectRef idx="0">
+              <a:schemeClr val="accent1"/>
+            </a:effectRef>
+            <a:fontRef idx="minor">
+              <a:schemeClr val="tx1"/>
+            </a:fontRef>
+          </p:style>
+        </p:cxnSp>
+        <p:cxnSp>
+          <p:nvCxnSpPr>
+            <p:cNvPr id="19" name="直接连接符 26">
+              <a:extLst>
+                <a:ext uri="{FF2B5EF4-FFF2-40B4-BE49-F238E27FC236}">
+                  <a16:creationId xmlns:a16="http://schemas.microsoft.com/office/drawing/2014/main" id="{DD627D98-A42B-434E-862D-B64E2216153E}"/>
+                </a:ext>
+              </a:extLst>
+            </p:cNvPr>
+            <p:cNvCxnSpPr/>
+            <p:nvPr/>
+          </p:nvCxnSpPr>
+          <p:spPr>
+            <a:xfrm flipH="1">
+              <a:off x="10724736" y="632460"/>
+              <a:ext cx="194738" cy="675640"/>
+            </a:xfrm>
+            <a:prstGeom prst="line">
+              <a:avLst/>
+            </a:prstGeom>
+            <a:ln w="28575" cap="rnd">
+              <a:solidFill>
+                <a:schemeClr val="bg1">
+                  <a:alpha val="70000"/>
+                </a:schemeClr>
+              </a:solidFill>
+              <a:round/>
+            </a:ln>
+          </p:spPr>
+          <p:style>
+            <a:lnRef idx="1">
+              <a:schemeClr val="accent1"/>
+            </a:lnRef>
+            <a:fillRef idx="0">
+              <a:schemeClr val="accent1"/>
+            </a:fillRef>
+            <a:effectRef idx="0">
+              <a:schemeClr val="accent1"/>
+            </a:effectRef>
+            <a:fontRef idx="minor">
+              <a:schemeClr val="tx1"/>
+            </a:fontRef>
+          </p:style>
+        </p:cxnSp>
+        <p:cxnSp>
+          <p:nvCxnSpPr>
+            <p:cNvPr id="20" name="直接连接符 27">
+              <a:extLst>
+                <a:ext uri="{FF2B5EF4-FFF2-40B4-BE49-F238E27FC236}">
+                  <a16:creationId xmlns:a16="http://schemas.microsoft.com/office/drawing/2014/main" id="{CBA74F34-A0D6-4499-95CB-4064998AF00B}"/>
+                </a:ext>
+              </a:extLst>
+            </p:cNvPr>
+            <p:cNvCxnSpPr/>
+            <p:nvPr/>
+          </p:nvCxnSpPr>
+          <p:spPr>
+            <a:xfrm>
+              <a:off x="10919474" y="623570"/>
+              <a:ext cx="87099" cy="392430"/>
+            </a:xfrm>
+            <a:prstGeom prst="line">
+              <a:avLst/>
+            </a:prstGeom>
+            <a:ln w="28575" cap="rnd">
+              <a:solidFill>
+                <a:schemeClr val="bg1">
+                  <a:alpha val="70000"/>
+                </a:schemeClr>
+              </a:solidFill>
+              <a:round/>
+            </a:ln>
+          </p:spPr>
+          <p:style>
+            <a:lnRef idx="1">
+              <a:schemeClr val="accent1"/>
+            </a:lnRef>
+            <a:fillRef idx="0">
+              <a:schemeClr val="accent1"/>
+            </a:fillRef>
+            <a:effectRef idx="0">
+              <a:schemeClr val="accent1"/>
+            </a:effectRef>
+            <a:fontRef idx="minor">
+              <a:schemeClr val="tx1"/>
+            </a:fontRef>
+          </p:style>
+        </p:cxnSp>
+        <p:cxnSp>
+          <p:nvCxnSpPr>
+            <p:cNvPr id="21" name="直接连接符 28">
+              <a:extLst>
+                <a:ext uri="{FF2B5EF4-FFF2-40B4-BE49-F238E27FC236}">
+                  <a16:creationId xmlns:a16="http://schemas.microsoft.com/office/drawing/2014/main" id="{586DB7FA-2F10-4917-9DEC-6E1190F41AF5}"/>
+                </a:ext>
+              </a:extLst>
+            </p:cNvPr>
+            <p:cNvCxnSpPr/>
+            <p:nvPr/>
+          </p:nvCxnSpPr>
+          <p:spPr>
+            <a:xfrm>
+              <a:off x="11004965" y="1016000"/>
+              <a:ext cx="1188000" cy="0"/>
+            </a:xfrm>
+            <a:prstGeom prst="line">
+              <a:avLst/>
+            </a:prstGeom>
+            <a:ln w="28575" cap="rnd">
+              <a:solidFill>
+                <a:schemeClr val="bg1">
+                  <a:alpha val="70000"/>
+                </a:schemeClr>
+              </a:solidFill>
+              <a:round/>
+            </a:ln>
+          </p:spPr>
+          <p:style>
+            <a:lnRef idx="1">
+              <a:schemeClr val="accent1"/>
+            </a:lnRef>
+            <a:fillRef idx="0">
+              <a:schemeClr val="accent1"/>
+            </a:fillRef>
+            <a:effectRef idx="0">
+              <a:schemeClr val="accent1"/>
+            </a:effectRef>
+            <a:fontRef idx="minor">
+              <a:schemeClr val="tx1"/>
+            </a:fontRef>
+          </p:style>
+        </p:cxnSp>
+      </p:grpSp>
+      <p:sp>
+        <p:nvSpPr>
+          <p:cNvPr id="22" name="文本框 30">
+            <a:extLst>
+              <a:ext uri="{FF2B5EF4-FFF2-40B4-BE49-F238E27FC236}">
+                <a16:creationId xmlns:a16="http://schemas.microsoft.com/office/drawing/2014/main" id="{A164EDEA-44CC-4EA1-8371-E34557FB7CC5}"/>
+              </a:ext>
+            </a:extLst>
+          </p:cNvPr>
+          <p:cNvSpPr txBox="1"/>
+          <p:nvPr/>
+        </p:nvSpPr>
+        <p:spPr>
+          <a:xfrm>
+            <a:off x="625262" y="217968"/>
+            <a:ext cx="4158706" cy="523220"/>
+          </a:xfrm>
+          <a:prstGeom prst="rect">
+            <a:avLst/>
+          </a:prstGeom>
+          <a:noFill/>
+        </p:spPr>
+        <p:txBody>
+          <a:bodyPr wrap="square" rtlCol="0">
+            <a:spAutoFit/>
+            <a:scene3d>
+              <a:camera prst="orthographicFront"/>
+              <a:lightRig rig="threePt" dir="t"/>
+            </a:scene3d>
+            <a:sp3d contourW="12700"/>
+          </a:bodyPr>
+          <a:lstStyle/>
+          <a:p>
+            <a:pPr marL="0" marR="0" lvl="0" indent="0" algn="l" defTabSz="914400" rtl="0" eaLnBrk="1" fontAlgn="auto" latinLnBrk="0" hangingPunct="1">
+              <a:lnSpc>
+                <a:spcPct val="100000"/>
+              </a:lnSpc>
+              <a:spcBef>
+                <a:spcPts val="0"/>
+              </a:spcBef>
+              <a:spcAft>
+                <a:spcPts val="0"/>
+              </a:spcAft>
+              <a:buClrTx/>
+              <a:buSzTx/>
+              <a:buFontTx/>
+              <a:buNone/>
+              <a:tabLst/>
+              <a:defRPr/>
+            </a:pPr>
+            <a:r>
+              <a:rPr lang="zh-TW" altLang="en-US" sz="2800" dirty="0">
                 <a:solidFill>
                   <a:prstClr val="white"/>
                 </a:solidFill>
-                <a:effectLst>
-                  <a:outerShdw blurRad="88900" dist="50800" dir="2700000" algn="tl" rotWithShape="0">
-                    <a:prstClr val="black">
-                      <a:alpha val="65000"/>
-                    </a:prstClr>
-                  </a:outerShdw>
-                </a:effectLst>
-                <a:uLnTx/>
-                <a:uFillTx/>
                 <a:cs typeface="+mn-ea"/>
                 <a:sym typeface="+mn-lt"/>
-              </a:endParaRPr>
-            </a:p>
-          </p:txBody>
-        </p:sp>
-        <p:sp>
-          <p:nvSpPr>
-            <p:cNvPr id="13" name="文本框 12"/>
-            <p:cNvSpPr txBox="1"/>
-            <p:nvPr/>
-          </p:nvSpPr>
-          <p:spPr>
-            <a:xfrm>
-              <a:off x="2796761" y="2007993"/>
-              <a:ext cx="3028072" cy="400110"/>
-            </a:xfrm>
-            <a:prstGeom prst="rect">
-              <a:avLst/>
-            </a:prstGeom>
+              </a:rPr>
+              <a:t>資料參考</a:t>
+            </a:r>
+            <a:endParaRPr kumimoji="0" lang="zh-CN" altLang="en-US" sz="2800" b="0" i="0" u="none" strike="noStrike" kern="1200" cap="none" spc="0" normalizeH="0" baseline="0" noProof="0" dirty="0">
+              <a:ln>
+                <a:noFill/>
+              </a:ln>
+              <a:solidFill>
+                <a:prstClr val="white"/>
+              </a:solidFill>
+              <a:effectLst/>
+              <a:uLnTx/>
+              <a:uFillTx/>
+              <a:cs typeface="+mn-ea"/>
+              <a:sym typeface="+mn-lt"/>
+            </a:endParaRPr>
+          </a:p>
+        </p:txBody>
+      </p:sp>
+      <p:sp>
+        <p:nvSpPr>
+          <p:cNvPr id="3" name="文字方塊 2">
+            <a:extLst>
+              <a:ext uri="{FF2B5EF4-FFF2-40B4-BE49-F238E27FC236}">
+                <a16:creationId xmlns:a16="http://schemas.microsoft.com/office/drawing/2014/main" id="{EAFD05E0-9C8E-446A-A6B7-4DE521DAA1FA}"/>
+              </a:ext>
+            </a:extLst>
+          </p:cNvPr>
+          <p:cNvSpPr txBox="1"/>
+          <p:nvPr/>
+        </p:nvSpPr>
+        <p:spPr>
+          <a:xfrm>
+            <a:off x="625262" y="1381126"/>
+            <a:ext cx="7411453" cy="3231654"/>
+          </a:xfrm>
+          <a:prstGeom prst="rect">
+            <a:avLst/>
+          </a:prstGeom>
+          <a:noFill/>
+        </p:spPr>
+        <p:txBody>
+          <a:bodyPr wrap="square" rtlCol="0">
+            <a:spAutoFit/>
+          </a:bodyPr>
+          <a:lstStyle/>
+          <a:p>
+            <a:pPr marL="457200" lvl="0" indent="-457200">
+              <a:lnSpc>
+                <a:spcPct val="150000"/>
+              </a:lnSpc>
+              <a:buFont typeface="Arial" panose="020B0604020202020204" pitchFamily="34" charset="0"/>
+              <a:buChar char="•"/>
+            </a:pPr>
+            <a:r>
+              <a:rPr lang="en-US" altLang="zh-TW" sz="2400" u="sng" dirty="0">
+                <a:solidFill>
+                  <a:schemeClr val="bg1"/>
+                </a:solidFill>
+                <a:hlinkClick r:id="rId3">
+                  <a:extLst>
+                    <a:ext uri="{A12FA001-AC4F-418D-AE19-62706E023703}">
+                      <ahyp:hlinkClr xmlns:ahyp="http://schemas.microsoft.com/office/drawing/2018/hyperlinkcolor" val="tx"/>
+                    </a:ext>
+                  </a:extLst>
+                </a:hlinkClick>
+              </a:rPr>
+              <a:t>https://meet.bnext.com.tw/articles/view/45173</a:t>
+            </a:r>
+            <a:endParaRPr lang="zh-TW" altLang="zh-TW" sz="2400" dirty="0">
+              <a:solidFill>
+                <a:schemeClr val="bg1"/>
+              </a:solidFill>
+            </a:endParaRPr>
+          </a:p>
+          <a:p>
+            <a:pPr marL="457200" lvl="0" indent="-457200">
+              <a:lnSpc>
+                <a:spcPct val="150000"/>
+              </a:lnSpc>
+              <a:buFont typeface="Arial" panose="020B0604020202020204" pitchFamily="34" charset="0"/>
+              <a:buChar char="•"/>
+            </a:pPr>
+            <a:r>
+              <a:rPr lang="en-US" altLang="zh-TW" sz="2400" u="sng" dirty="0">
+                <a:solidFill>
+                  <a:schemeClr val="bg1"/>
+                </a:solidFill>
+                <a:hlinkClick r:id="rId4">
+                  <a:extLst>
+                    <a:ext uri="{A12FA001-AC4F-418D-AE19-62706E023703}">
+                      <ahyp:hlinkClr xmlns:ahyp="http://schemas.microsoft.com/office/drawing/2018/hyperlinkcolor" val="tx"/>
+                    </a:ext>
+                  </a:extLst>
+                </a:hlinkClick>
+              </a:rPr>
+              <a:t>https://www.cna.com.tw/news/firstnews/202104130193.aspx</a:t>
+            </a:r>
+            <a:endParaRPr lang="zh-TW" altLang="zh-TW" sz="2400" dirty="0">
+              <a:solidFill>
+                <a:schemeClr val="bg1"/>
+              </a:solidFill>
+            </a:endParaRPr>
+          </a:p>
+          <a:p>
+            <a:pPr marL="457200" lvl="0" indent="-457200">
+              <a:lnSpc>
+                <a:spcPct val="150000"/>
+              </a:lnSpc>
+              <a:buFont typeface="Arial" panose="020B0604020202020204" pitchFamily="34" charset="0"/>
+              <a:buChar char="•"/>
+            </a:pPr>
+            <a:r>
+              <a:rPr lang="en-US" altLang="zh-TW" sz="2400" u="sng" dirty="0">
+                <a:solidFill>
+                  <a:schemeClr val="bg1"/>
+                </a:solidFill>
+                <a:hlinkClick r:id="rId5">
+                  <a:extLst>
+                    <a:ext uri="{A12FA001-AC4F-418D-AE19-62706E023703}">
+                      <ahyp:hlinkClr xmlns:ahyp="http://schemas.microsoft.com/office/drawing/2018/hyperlinkcolor" val="tx"/>
+                    </a:ext>
+                  </a:extLst>
+                </a:hlinkClick>
+              </a:rPr>
+              <a:t>http://3smarketinfo.blogspot.com/2018/10/iot-gateway.html</a:t>
+            </a:r>
+            <a:endParaRPr lang="zh-TW" altLang="zh-TW" sz="2400" dirty="0">
+              <a:solidFill>
+                <a:schemeClr val="bg1"/>
+              </a:solidFill>
+            </a:endParaRPr>
+          </a:p>
+          <a:p>
+            <a:endParaRPr lang="zh-TW" altLang="en-US" sz="2400" dirty="0">
+              <a:solidFill>
+                <a:schemeClr val="bg1"/>
+              </a:solidFill>
+            </a:endParaRPr>
+          </a:p>
+        </p:txBody>
+      </p:sp>
+      <p:pic>
+        <p:nvPicPr>
+          <p:cNvPr id="23" name="Picture 8">
+            <a:extLst>
+              <a:ext uri="{FF2B5EF4-FFF2-40B4-BE49-F238E27FC236}">
+                <a16:creationId xmlns:a16="http://schemas.microsoft.com/office/drawing/2014/main" id="{AA73F7B5-1323-4128-9F24-8848A2705A4B}"/>
+              </a:ext>
+            </a:extLst>
+          </p:cNvPr>
+          <p:cNvPicPr>
+            <a:picLocks noChangeAspect="1"/>
+          </p:cNvPicPr>
+          <p:nvPr/>
+        </p:nvPicPr>
+        <p:blipFill>
+          <a:blip r:embed="rId6" cstate="print">
+            <a:duotone>
+              <a:schemeClr val="accent3">
+                <a:shade val="45000"/>
+                <a:satMod val="135000"/>
+              </a:schemeClr>
+              <a:prstClr val="white"/>
+            </a:duotone>
+            <a:extLst>
+              <a:ext uri="{28A0092B-C50C-407E-A947-70E740481C1C}">
+                <a14:useLocalDpi xmlns:a14="http://schemas.microsoft.com/office/drawing/2010/main" val="0"/>
+              </a:ext>
+            </a:extLst>
+          </a:blip>
+          <a:stretch>
+            <a:fillRect/>
+          </a:stretch>
+        </p:blipFill>
+        <p:spPr>
+          <a:xfrm>
+            <a:off x="223693" y="5702074"/>
+            <a:ext cx="1012443" cy="1012443"/>
+          </a:xfrm>
+          <a:prstGeom prst="rect">
+            <a:avLst/>
+          </a:prstGeom>
+        </p:spPr>
+      </p:pic>
+      <p:pic>
+        <p:nvPicPr>
+          <p:cNvPr id="24" name="Google Shape;91;p1">
+            <a:extLst>
+              <a:ext uri="{FF2B5EF4-FFF2-40B4-BE49-F238E27FC236}">
+                <a16:creationId xmlns:a16="http://schemas.microsoft.com/office/drawing/2014/main" id="{1DB360E0-6580-408A-AB96-27BB96815335}"/>
+              </a:ext>
+            </a:extLst>
+          </p:cNvPr>
+          <p:cNvPicPr preferRelativeResize="0"/>
+          <p:nvPr/>
+        </p:nvPicPr>
+        <p:blipFill>
+          <a:blip r:embed="rId7">
+            <a:alphaModFix/>
+          </a:blip>
+          <a:stretch>
+            <a:fillRect/>
+          </a:stretch>
+        </p:blipFill>
+        <p:spPr>
+          <a:xfrm>
+            <a:off x="11004774" y="5738570"/>
+            <a:ext cx="996440" cy="975947"/>
+          </a:xfrm>
+          <a:prstGeom prst="rect">
+            <a:avLst/>
+          </a:prstGeom>
+          <a:noFill/>
+          <a:ln>
             <a:noFill/>
-          </p:spPr>
-          <p:txBody>
-            <a:bodyPr wrap="square" rtlCol="0">
-              <a:spAutoFit/>
-              <a:scene3d>
-                <a:camera prst="orthographicFront"/>
-                <a:lightRig rig="threePt" dir="t"/>
-              </a:scene3d>
-              <a:sp3d contourW="12700"/>
-            </a:bodyPr>
-            <a:lstStyle/>
-            <a:p>
-              <a:pPr marL="0" marR="0" lvl="0" indent="0" algn="ctr" defTabSz="914400" rtl="0" eaLnBrk="1" fontAlgn="auto" latinLnBrk="0" hangingPunct="1">
-                <a:lnSpc>
-                  <a:spcPct val="100000"/>
-                </a:lnSpc>
-                <a:spcBef>
-                  <a:spcPts val="0"/>
-                </a:spcBef>
-                <a:spcAft>
-                  <a:spcPts val="0"/>
-                </a:spcAft>
-                <a:buClrTx/>
-                <a:buSzTx/>
-                <a:buFontTx/>
-                <a:buNone/>
-                <a:tabLst/>
-                <a:defRPr/>
-              </a:pPr>
-              <a:endParaRPr kumimoji="0" lang="zh-CN" altLang="en-US" sz="2000" b="0" i="0" u="none" strike="noStrike" kern="1200" cap="none" spc="0" normalizeH="0" baseline="0" noProof="0" dirty="0">
-                <a:ln>
-                  <a:noFill/>
-                </a:ln>
-                <a:solidFill>
-                  <a:prstClr val="white"/>
-                </a:solidFill>
-                <a:effectLst>
-                  <a:outerShdw blurRad="38100" dist="38100" dir="2700000" algn="tl">
-                    <a:srgbClr val="000000">
-                      <a:alpha val="43137"/>
-                    </a:srgbClr>
-                  </a:outerShdw>
-                </a:effectLst>
-                <a:uLnTx/>
-                <a:uFillTx/>
-                <a:cs typeface="+mn-ea"/>
-                <a:sym typeface="+mn-lt"/>
-              </a:endParaRPr>
-            </a:p>
-          </p:txBody>
-        </p:sp>
-      </p:grpSp>
+          </a:ln>
+        </p:spPr>
+      </p:pic>
     </p:spTree>
     <p:extLst>
       <p:ext uri="{BB962C8B-B14F-4D97-AF65-F5344CB8AC3E}">
@@ -7634,138 +8267,6 @@
   <p:clrMapOvr>
     <a:masterClrMapping/>
   </p:clrMapOvr>
-  <p:timing>
-    <p:tnLst>
-      <p:par>
-        <p:cTn id="1" dur="indefinite" restart="never" nodeType="tmRoot">
-          <p:childTnLst>
-            <p:seq concurrent="1" nextAc="seek">
-              <p:cTn id="2" dur="indefinite" nodeType="mainSeq">
-                <p:childTnLst>
-                  <p:par>
-                    <p:cTn id="3" fill="hold">
-                      <p:stCondLst>
-                        <p:cond delay="indefinite"/>
-                        <p:cond evt="onBegin" delay="0">
-                          <p:tn val="2"/>
-                        </p:cond>
-                      </p:stCondLst>
-                      <p:childTnLst>
-                        <p:par>
-                          <p:cTn id="4" fill="hold">
-                            <p:stCondLst>
-                              <p:cond delay="0"/>
-                            </p:stCondLst>
-                            <p:childTnLst>
-                              <p:par>
-                                <p:cTn id="5" presetID="53" presetClass="entr" presetSubtype="16" fill="hold" nodeType="withEffect">
-                                  <p:stCondLst>
-                                    <p:cond delay="0"/>
-                                  </p:stCondLst>
-                                  <p:childTnLst>
-                                    <p:set>
-                                      <p:cBhvr>
-                                        <p:cTn id="6" dur="1" fill="hold">
-                                          <p:stCondLst>
-                                            <p:cond delay="0"/>
-                                          </p:stCondLst>
-                                        </p:cTn>
-                                        <p:tgtEl>
-                                          <p:spTgt spid="2"/>
-                                        </p:tgtEl>
-                                        <p:attrNameLst>
-                                          <p:attrName>style.visibility</p:attrName>
-                                        </p:attrNameLst>
-                                      </p:cBhvr>
-                                      <p:to>
-                                        <p:strVal val="visible"/>
-                                      </p:to>
-                                    </p:set>
-                                    <p:anim calcmode="lin" valueType="num">
-                                      <p:cBhvr>
-                                        <p:cTn id="7" dur="500" fill="hold"/>
-                                        <p:tgtEl>
-                                          <p:spTgt spid="2"/>
-                                        </p:tgtEl>
-                                        <p:attrNameLst>
-                                          <p:attrName>ppt_w</p:attrName>
-                                        </p:attrNameLst>
-                                      </p:cBhvr>
-                                      <p:tavLst>
-                                        <p:tav tm="0">
-                                          <p:val>
-                                            <p:fltVal val="0"/>
-                                          </p:val>
-                                        </p:tav>
-                                        <p:tav tm="100000">
-                                          <p:val>
-                                            <p:strVal val="#ppt_w"/>
-                                          </p:val>
-                                        </p:tav>
-                                      </p:tavLst>
-                                    </p:anim>
-                                    <p:anim calcmode="lin" valueType="num">
-                                      <p:cBhvr>
-                                        <p:cTn id="8" dur="500" fill="hold"/>
-                                        <p:tgtEl>
-                                          <p:spTgt spid="2"/>
-                                        </p:tgtEl>
-                                        <p:attrNameLst>
-                                          <p:attrName>ppt_h</p:attrName>
-                                        </p:attrNameLst>
-                                      </p:cBhvr>
-                                      <p:tavLst>
-                                        <p:tav tm="0">
-                                          <p:val>
-                                            <p:fltVal val="0"/>
-                                          </p:val>
-                                        </p:tav>
-                                        <p:tav tm="100000">
-                                          <p:val>
-                                            <p:strVal val="#ppt_h"/>
-                                          </p:val>
-                                        </p:tav>
-                                      </p:tavLst>
-                                    </p:anim>
-                                    <p:animEffect transition="in" filter="fade">
-                                      <p:cBhvr>
-                                        <p:cTn id="9" dur="500"/>
-                                        <p:tgtEl>
-                                          <p:spTgt spid="2"/>
-                                        </p:tgtEl>
-                                      </p:cBhvr>
-                                    </p:animEffect>
-                                  </p:childTnLst>
-                                </p:cTn>
-                              </p:par>
-                            </p:childTnLst>
-                          </p:cTn>
-                        </p:par>
-                      </p:childTnLst>
-                    </p:cTn>
-                  </p:par>
-                </p:childTnLst>
-              </p:cTn>
-              <p:prevCondLst>
-                <p:cond evt="onPrev" delay="0">
-                  <p:tgtEl>
-                    <p:sldTgt/>
-                  </p:tgtEl>
-                </p:cond>
-              </p:prevCondLst>
-              <p:nextCondLst>
-                <p:cond evt="onNext" delay="0">
-                  <p:tgtEl>
-                    <p:sldTgt/>
-                  </p:tgtEl>
-                </p:cond>
-              </p:nextCondLst>
-            </p:seq>
-          </p:childTnLst>
-        </p:cTn>
-      </p:par>
-    </p:tnLst>
-  </p:timing>
 </p:sld>
 </file>
 
@@ -18760,24 +19261,6 @@
 </p:tagLst>
 </file>
 
-<file path=ppt/tags/tag15.xml><?xml version="1.0" encoding="utf-8"?>
-<p:tagLst xmlns:a="http://schemas.openxmlformats.org/drawingml/2006/main" xmlns:r="http://schemas.openxmlformats.org/officeDocument/2006/relationships" xmlns:p="http://schemas.openxmlformats.org/presentationml/2006/main">
-  <p:tag name="PA" val="v3.0.1"/>
-</p:tagLst>
-</file>
-
-<file path=ppt/tags/tag16.xml><?xml version="1.0" encoding="utf-8"?>
-<p:tagLst xmlns:a="http://schemas.openxmlformats.org/drawingml/2006/main" xmlns:r="http://schemas.openxmlformats.org/officeDocument/2006/relationships" xmlns:p="http://schemas.openxmlformats.org/presentationml/2006/main">
-  <p:tag name="PA" val="v3.0.1"/>
-</p:tagLst>
-</file>
-
-<file path=ppt/tags/tag17.xml><?xml version="1.0" encoding="utf-8"?>
-<p:tagLst xmlns:a="http://schemas.openxmlformats.org/drawingml/2006/main" xmlns:r="http://schemas.openxmlformats.org/officeDocument/2006/relationships" xmlns:p="http://schemas.openxmlformats.org/presentationml/2006/main">
-  <p:tag name="PA" val="v3.0.1"/>
-</p:tagLst>
-</file>
-
 <file path=ppt/tags/tag2.xml><?xml version="1.0" encoding="utf-8"?>
 <p:tagLst xmlns:a="http://schemas.openxmlformats.org/drawingml/2006/main" xmlns:r="http://schemas.openxmlformats.org/officeDocument/2006/relationships" xmlns:p="http://schemas.openxmlformats.org/presentationml/2006/main">
   <p:tag name="PA" val="v3.0.1"/>
